--- a/doc/logos/logo.pptx
+++ b/doc/logos/logo.pptx
@@ -104,6 +104,11 @@
       </a:defRPr>
     </a:lvl9pPr>
   </p:defaultTextStyle>
+  <p:extLst>
+    <p:ext uri="{EFAFB233-063F-42B5-8137-9DF3F51BA10A}">
+      <p15:sldGuideLst xmlns:p15="http://schemas.microsoft.com/office/powerpoint/2012/main"/>
+    </p:ext>
+  </p:extLst>
 </p:presentation>
 </file>
 
@@ -254,7 +259,7 @@
           <a:p>
             <a:fld id="{C95EF2C6-DFC3-4CFF-96ED-A4B6EDEAEE69}" type="datetimeFigureOut">
               <a:rPr lang="en-US" smtClean="0"/>
-              <a:t>3/20/2021</a:t>
+              <a:t>19-Jul-22</a:t>
             </a:fld>
             <a:endParaRPr lang="en-US"/>
           </a:p>
@@ -452,7 +457,7 @@
           <a:p>
             <a:fld id="{C95EF2C6-DFC3-4CFF-96ED-A4B6EDEAEE69}" type="datetimeFigureOut">
               <a:rPr lang="en-US" smtClean="0"/>
-              <a:t>3/20/2021</a:t>
+              <a:t>19-Jul-22</a:t>
             </a:fld>
             <a:endParaRPr lang="en-US"/>
           </a:p>
@@ -660,7 +665,7 @@
           <a:p>
             <a:fld id="{C95EF2C6-DFC3-4CFF-96ED-A4B6EDEAEE69}" type="datetimeFigureOut">
               <a:rPr lang="en-US" smtClean="0"/>
-              <a:t>3/20/2021</a:t>
+              <a:t>19-Jul-22</a:t>
             </a:fld>
             <a:endParaRPr lang="en-US"/>
           </a:p>
@@ -858,7 +863,7 @@
           <a:p>
             <a:fld id="{C95EF2C6-DFC3-4CFF-96ED-A4B6EDEAEE69}" type="datetimeFigureOut">
               <a:rPr lang="en-US" smtClean="0"/>
-              <a:t>3/20/2021</a:t>
+              <a:t>19-Jul-22</a:t>
             </a:fld>
             <a:endParaRPr lang="en-US"/>
           </a:p>
@@ -1133,7 +1138,7 @@
           <a:p>
             <a:fld id="{C95EF2C6-DFC3-4CFF-96ED-A4B6EDEAEE69}" type="datetimeFigureOut">
               <a:rPr lang="en-US" smtClean="0"/>
-              <a:t>3/20/2021</a:t>
+              <a:t>19-Jul-22</a:t>
             </a:fld>
             <a:endParaRPr lang="en-US"/>
           </a:p>
@@ -1398,7 +1403,7 @@
           <a:p>
             <a:fld id="{C95EF2C6-DFC3-4CFF-96ED-A4B6EDEAEE69}" type="datetimeFigureOut">
               <a:rPr lang="en-US" smtClean="0"/>
-              <a:t>3/20/2021</a:t>
+              <a:t>19-Jul-22</a:t>
             </a:fld>
             <a:endParaRPr lang="en-US"/>
           </a:p>
@@ -1810,7 +1815,7 @@
           <a:p>
             <a:fld id="{C95EF2C6-DFC3-4CFF-96ED-A4B6EDEAEE69}" type="datetimeFigureOut">
               <a:rPr lang="en-US" smtClean="0"/>
-              <a:t>3/20/2021</a:t>
+              <a:t>19-Jul-22</a:t>
             </a:fld>
             <a:endParaRPr lang="en-US"/>
           </a:p>
@@ -1951,7 +1956,7 @@
           <a:p>
             <a:fld id="{C95EF2C6-DFC3-4CFF-96ED-A4B6EDEAEE69}" type="datetimeFigureOut">
               <a:rPr lang="en-US" smtClean="0"/>
-              <a:t>3/20/2021</a:t>
+              <a:t>19-Jul-22</a:t>
             </a:fld>
             <a:endParaRPr lang="en-US"/>
           </a:p>
@@ -2064,7 +2069,7 @@
           <a:p>
             <a:fld id="{C95EF2C6-DFC3-4CFF-96ED-A4B6EDEAEE69}" type="datetimeFigureOut">
               <a:rPr lang="en-US" smtClean="0"/>
-              <a:t>3/20/2021</a:t>
+              <a:t>19-Jul-22</a:t>
             </a:fld>
             <a:endParaRPr lang="en-US"/>
           </a:p>
@@ -2375,7 +2380,7 @@
           <a:p>
             <a:fld id="{C95EF2C6-DFC3-4CFF-96ED-A4B6EDEAEE69}" type="datetimeFigureOut">
               <a:rPr lang="en-US" smtClean="0"/>
-              <a:t>3/20/2021</a:t>
+              <a:t>19-Jul-22</a:t>
             </a:fld>
             <a:endParaRPr lang="en-US"/>
           </a:p>
@@ -2663,7 +2668,7 @@
           <a:p>
             <a:fld id="{C95EF2C6-DFC3-4CFF-96ED-A4B6EDEAEE69}" type="datetimeFigureOut">
               <a:rPr lang="en-US" smtClean="0"/>
-              <a:t>3/20/2021</a:t>
+              <a:t>19-Jul-22</a:t>
             </a:fld>
             <a:endParaRPr lang="en-US"/>
           </a:p>
@@ -2904,7 +2909,7 @@
           <a:p>
             <a:fld id="{C95EF2C6-DFC3-4CFF-96ED-A4B6EDEAEE69}" type="datetimeFigureOut">
               <a:rPr lang="en-US" smtClean="0"/>
-              <a:t>3/20/2021</a:t>
+              <a:t>19-Jul-22</a:t>
             </a:fld>
             <a:endParaRPr lang="en-US"/>
           </a:p>
@@ -3698,6 +3703,692 @@
           </p:txBody>
         </p:sp>
       </p:grpSp>
+      <p:sp>
+        <p:nvSpPr>
+          <p:cNvPr id="15" name="Oval 14">
+            <a:extLst>
+              <a:ext uri="{FF2B5EF4-FFF2-40B4-BE49-F238E27FC236}">
+                <a16:creationId xmlns:a16="http://schemas.microsoft.com/office/drawing/2014/main" id="{248A55AB-2F69-F609-DAE1-42B637F8AF9A}"/>
+              </a:ext>
+            </a:extLst>
+          </p:cNvPr>
+          <p:cNvSpPr/>
+          <p:nvPr/>
+        </p:nvSpPr>
+        <p:spPr>
+          <a:xfrm>
+            <a:off x="3458529" y="3568456"/>
+            <a:ext cx="192939" cy="192938"/>
+          </a:xfrm>
+          <a:prstGeom prst="ellipse">
+            <a:avLst/>
+          </a:prstGeom>
+        </p:spPr>
+        <p:style>
+          <a:lnRef idx="2">
+            <a:schemeClr val="accent2">
+              <a:shade val="50000"/>
+            </a:schemeClr>
+          </a:lnRef>
+          <a:fillRef idx="1">
+            <a:schemeClr val="accent2"/>
+          </a:fillRef>
+          <a:effectRef idx="0">
+            <a:schemeClr val="accent2"/>
+          </a:effectRef>
+          <a:fontRef idx="minor">
+            <a:schemeClr val="lt1"/>
+          </a:fontRef>
+        </p:style>
+        <p:txBody>
+          <a:bodyPr rtlCol="0" anchor="ctr"/>
+          <a:lstStyle/>
+          <a:p>
+            <a:pPr algn="ctr"/>
+            <a:endParaRPr lang="en-US"/>
+          </a:p>
+        </p:txBody>
+      </p:sp>
+      <p:sp>
+        <p:nvSpPr>
+          <p:cNvPr id="16" name="Oval 15">
+            <a:extLst>
+              <a:ext uri="{FF2B5EF4-FFF2-40B4-BE49-F238E27FC236}">
+                <a16:creationId xmlns:a16="http://schemas.microsoft.com/office/drawing/2014/main" id="{DFE29F21-CFA0-ED23-22E0-2E9070D577F1}"/>
+              </a:ext>
+            </a:extLst>
+          </p:cNvPr>
+          <p:cNvSpPr/>
+          <p:nvPr/>
+        </p:nvSpPr>
+        <p:spPr>
+          <a:xfrm>
+            <a:off x="3970024" y="3568456"/>
+            <a:ext cx="192939" cy="192938"/>
+          </a:xfrm>
+          <a:prstGeom prst="ellipse">
+            <a:avLst/>
+          </a:prstGeom>
+        </p:spPr>
+        <p:style>
+          <a:lnRef idx="2">
+            <a:schemeClr val="accent6">
+              <a:shade val="50000"/>
+            </a:schemeClr>
+          </a:lnRef>
+          <a:fillRef idx="1">
+            <a:schemeClr val="accent6"/>
+          </a:fillRef>
+          <a:effectRef idx="0">
+            <a:schemeClr val="accent6"/>
+          </a:effectRef>
+          <a:fontRef idx="minor">
+            <a:schemeClr val="lt1"/>
+          </a:fontRef>
+        </p:style>
+        <p:txBody>
+          <a:bodyPr rtlCol="0" anchor="ctr"/>
+          <a:lstStyle/>
+          <a:p>
+            <a:pPr algn="ctr"/>
+            <a:endParaRPr lang="en-US"/>
+          </a:p>
+        </p:txBody>
+      </p:sp>
+      <p:sp>
+        <p:nvSpPr>
+          <p:cNvPr id="17" name="Oval 16">
+            <a:extLst>
+              <a:ext uri="{FF2B5EF4-FFF2-40B4-BE49-F238E27FC236}">
+                <a16:creationId xmlns:a16="http://schemas.microsoft.com/office/drawing/2014/main" id="{C7B989D9-C9F2-F1A9-B43E-7F2F9E4D0571}"/>
+              </a:ext>
+            </a:extLst>
+          </p:cNvPr>
+          <p:cNvSpPr/>
+          <p:nvPr/>
+        </p:nvSpPr>
+        <p:spPr>
+          <a:xfrm>
+            <a:off x="3738034" y="3566103"/>
+            <a:ext cx="192939" cy="192938"/>
+          </a:xfrm>
+          <a:prstGeom prst="ellipse">
+            <a:avLst/>
+          </a:prstGeom>
+        </p:spPr>
+        <p:style>
+          <a:lnRef idx="2">
+            <a:schemeClr val="accent2">
+              <a:shade val="50000"/>
+            </a:schemeClr>
+          </a:lnRef>
+          <a:fillRef idx="1">
+            <a:schemeClr val="accent2"/>
+          </a:fillRef>
+          <a:effectRef idx="0">
+            <a:schemeClr val="accent2"/>
+          </a:effectRef>
+          <a:fontRef idx="minor">
+            <a:schemeClr val="lt1"/>
+          </a:fontRef>
+        </p:style>
+        <p:txBody>
+          <a:bodyPr rtlCol="0" anchor="ctr"/>
+          <a:lstStyle/>
+          <a:p>
+            <a:pPr algn="ctr"/>
+            <a:endParaRPr lang="en-US"/>
+          </a:p>
+        </p:txBody>
+      </p:sp>
+      <p:sp>
+        <p:nvSpPr>
+          <p:cNvPr id="18" name="Oval 17">
+            <a:extLst>
+              <a:ext uri="{FF2B5EF4-FFF2-40B4-BE49-F238E27FC236}">
+                <a16:creationId xmlns:a16="http://schemas.microsoft.com/office/drawing/2014/main" id="{FC88B46B-7D0D-9F9A-C538-89957467D3F9}"/>
+              </a:ext>
+            </a:extLst>
+          </p:cNvPr>
+          <p:cNvSpPr/>
+          <p:nvPr/>
+        </p:nvSpPr>
+        <p:spPr>
+          <a:xfrm>
+            <a:off x="4372796" y="3568456"/>
+            <a:ext cx="192939" cy="192938"/>
+          </a:xfrm>
+          <a:prstGeom prst="ellipse">
+            <a:avLst/>
+          </a:prstGeom>
+        </p:spPr>
+        <p:style>
+          <a:lnRef idx="2">
+            <a:schemeClr val="accent5">
+              <a:shade val="50000"/>
+            </a:schemeClr>
+          </a:lnRef>
+          <a:fillRef idx="1">
+            <a:schemeClr val="accent5"/>
+          </a:fillRef>
+          <a:effectRef idx="0">
+            <a:schemeClr val="accent5"/>
+          </a:effectRef>
+          <a:fontRef idx="minor">
+            <a:schemeClr val="lt1"/>
+          </a:fontRef>
+        </p:style>
+        <p:txBody>
+          <a:bodyPr rtlCol="0" anchor="ctr"/>
+          <a:lstStyle/>
+          <a:p>
+            <a:pPr algn="ctr"/>
+            <a:endParaRPr lang="en-US"/>
+          </a:p>
+        </p:txBody>
+      </p:sp>
+      <p:sp>
+        <p:nvSpPr>
+          <p:cNvPr id="19" name="Oval 18">
+            <a:extLst>
+              <a:ext uri="{FF2B5EF4-FFF2-40B4-BE49-F238E27FC236}">
+                <a16:creationId xmlns:a16="http://schemas.microsoft.com/office/drawing/2014/main" id="{1782EEE5-3E70-1F02-45A6-0C5754D4D183}"/>
+              </a:ext>
+            </a:extLst>
+          </p:cNvPr>
+          <p:cNvSpPr/>
+          <p:nvPr/>
+        </p:nvSpPr>
+        <p:spPr>
+          <a:xfrm>
+            <a:off x="3195460" y="3566103"/>
+            <a:ext cx="192939" cy="192938"/>
+          </a:xfrm>
+          <a:prstGeom prst="ellipse">
+            <a:avLst/>
+          </a:prstGeom>
+        </p:spPr>
+        <p:style>
+          <a:lnRef idx="2">
+            <a:schemeClr val="accent5">
+              <a:shade val="50000"/>
+            </a:schemeClr>
+          </a:lnRef>
+          <a:fillRef idx="1">
+            <a:schemeClr val="accent5"/>
+          </a:fillRef>
+          <a:effectRef idx="0">
+            <a:schemeClr val="accent5"/>
+          </a:effectRef>
+          <a:fontRef idx="minor">
+            <a:schemeClr val="lt1"/>
+          </a:fontRef>
+        </p:style>
+        <p:txBody>
+          <a:bodyPr rtlCol="0" anchor="ctr"/>
+          <a:lstStyle/>
+          <a:p>
+            <a:pPr algn="ctr"/>
+            <a:endParaRPr lang="en-US"/>
+          </a:p>
+        </p:txBody>
+      </p:sp>
+      <p:sp>
+        <p:nvSpPr>
+          <p:cNvPr id="20" name="Oval 19">
+            <a:extLst>
+              <a:ext uri="{FF2B5EF4-FFF2-40B4-BE49-F238E27FC236}">
+                <a16:creationId xmlns:a16="http://schemas.microsoft.com/office/drawing/2014/main" id="{6704196B-700D-5223-96D1-6BD386E54BCF}"/>
+              </a:ext>
+            </a:extLst>
+          </p:cNvPr>
+          <p:cNvSpPr/>
+          <p:nvPr/>
+        </p:nvSpPr>
+        <p:spPr>
+          <a:xfrm>
+            <a:off x="2691220" y="3566103"/>
+            <a:ext cx="192939" cy="192938"/>
+          </a:xfrm>
+          <a:prstGeom prst="ellipse">
+            <a:avLst/>
+          </a:prstGeom>
+        </p:spPr>
+        <p:style>
+          <a:lnRef idx="2">
+            <a:schemeClr val="accent6">
+              <a:shade val="50000"/>
+            </a:schemeClr>
+          </a:lnRef>
+          <a:fillRef idx="1">
+            <a:schemeClr val="accent6"/>
+          </a:fillRef>
+          <a:effectRef idx="0">
+            <a:schemeClr val="accent6"/>
+          </a:effectRef>
+          <a:fontRef idx="minor">
+            <a:schemeClr val="lt1"/>
+          </a:fontRef>
+        </p:style>
+        <p:txBody>
+          <a:bodyPr rtlCol="0" anchor="ctr"/>
+          <a:lstStyle/>
+          <a:p>
+            <a:pPr algn="ctr"/>
+            <a:endParaRPr lang="en-US"/>
+          </a:p>
+        </p:txBody>
+      </p:sp>
+      <p:grpSp>
+        <p:nvGrpSpPr>
+          <p:cNvPr id="10" name="Group 9">
+            <a:extLst>
+              <a:ext uri="{FF2B5EF4-FFF2-40B4-BE49-F238E27FC236}">
+                <a16:creationId xmlns:a16="http://schemas.microsoft.com/office/drawing/2014/main" id="{635E4318-EB80-C0B3-AD7C-C45BC8587216}"/>
+              </a:ext>
+            </a:extLst>
+          </p:cNvPr>
+          <p:cNvGrpSpPr/>
+          <p:nvPr/>
+        </p:nvGrpSpPr>
+        <p:grpSpPr>
+          <a:xfrm>
+            <a:off x="94329" y="2679830"/>
+            <a:ext cx="2202392" cy="722594"/>
+            <a:chOff x="94329" y="2679830"/>
+            <a:chExt cx="2202392" cy="722594"/>
+          </a:xfrm>
+        </p:grpSpPr>
+        <p:sp>
+          <p:nvSpPr>
+            <p:cNvPr id="21" name="TextBox 20">
+              <a:extLst>
+                <a:ext uri="{FF2B5EF4-FFF2-40B4-BE49-F238E27FC236}">
+                  <a16:creationId xmlns:a16="http://schemas.microsoft.com/office/drawing/2014/main" id="{E3F45C44-2B4D-50CE-C976-9F9A06A9892D}"/>
+                </a:ext>
+              </a:extLst>
+            </p:cNvPr>
+            <p:cNvSpPr txBox="1"/>
+            <p:nvPr/>
+          </p:nvSpPr>
+          <p:spPr>
+            <a:xfrm>
+              <a:off x="94329" y="2679830"/>
+              <a:ext cx="1343292" cy="400110"/>
+            </a:xfrm>
+            <a:prstGeom prst="rect">
+              <a:avLst/>
+            </a:prstGeom>
+            <a:noFill/>
+          </p:spPr>
+          <p:txBody>
+            <a:bodyPr wrap="square" rtlCol="0">
+              <a:spAutoFit/>
+            </a:bodyPr>
+            <a:lstStyle/>
+            <a:p>
+              <a:r>
+                <a:rPr lang="en-US" sz="2000" b="1" i="1" dirty="0" err="1">
+                  <a:latin typeface="Arial" panose="020B0604020202020204" pitchFamily="34" charset="0"/>
+                  <a:cs typeface="Arial" panose="020B0604020202020204" pitchFamily="34" charset="0"/>
+                </a:rPr>
+                <a:t>IMP.bff</a:t>
+              </a:r>
+              <a:endParaRPr lang="en-US" sz="2000" b="1" i="1" dirty="0">
+                <a:latin typeface="Arial" panose="020B0604020202020204" pitchFamily="34" charset="0"/>
+                <a:cs typeface="Arial" panose="020B0604020202020204" pitchFamily="34" charset="0"/>
+              </a:endParaRPr>
+            </a:p>
+          </p:txBody>
+        </p:sp>
+        <p:grpSp>
+          <p:nvGrpSpPr>
+            <p:cNvPr id="3" name="Group 2">
+              <a:extLst>
+                <a:ext uri="{FF2B5EF4-FFF2-40B4-BE49-F238E27FC236}">
+                  <a16:creationId xmlns:a16="http://schemas.microsoft.com/office/drawing/2014/main" id="{F8A055E0-96A3-6142-3AAA-86F6DB206FDC}"/>
+                </a:ext>
+              </a:extLst>
+            </p:cNvPr>
+            <p:cNvGrpSpPr/>
+            <p:nvPr/>
+          </p:nvGrpSpPr>
+          <p:grpSpPr>
+            <a:xfrm>
+              <a:off x="417184" y="2831147"/>
+              <a:ext cx="1783080" cy="436837"/>
+              <a:chOff x="426720" y="3702859"/>
+              <a:chExt cx="1372554" cy="841731"/>
+            </a:xfrm>
+          </p:grpSpPr>
+          <p:sp>
+            <p:nvSpPr>
+              <p:cNvPr id="2" name="Freeform: Shape 1">
+                <a:extLst>
+                  <a:ext uri="{FF2B5EF4-FFF2-40B4-BE49-F238E27FC236}">
+                    <a16:creationId xmlns:a16="http://schemas.microsoft.com/office/drawing/2014/main" id="{8D034E48-995E-145A-BF42-F1D24A454EC5}"/>
+                  </a:ext>
+                </a:extLst>
+              </p:cNvPr>
+              <p:cNvSpPr/>
+              <p:nvPr/>
+            </p:nvSpPr>
+            <p:spPr>
+              <a:xfrm>
+                <a:off x="426720" y="4107088"/>
+                <a:ext cx="792480" cy="434432"/>
+              </a:xfrm>
+              <a:custGeom>
+                <a:avLst/>
+                <a:gdLst>
+                  <a:gd name="connsiteX0" fmla="*/ 0 w 792480"/>
+                  <a:gd name="connsiteY0" fmla="*/ 434432 h 434432"/>
+                  <a:gd name="connsiteX1" fmla="*/ 426720 w 792480"/>
+                  <a:gd name="connsiteY1" fmla="*/ 92 h 434432"/>
+                  <a:gd name="connsiteX2" fmla="*/ 792480 w 792480"/>
+                  <a:gd name="connsiteY2" fmla="*/ 403952 h 434432"/>
+                </a:gdLst>
+                <a:ahLst/>
+                <a:cxnLst>
+                  <a:cxn ang="0">
+                    <a:pos x="connsiteX0" y="connsiteY0"/>
+                  </a:cxn>
+                  <a:cxn ang="0">
+                    <a:pos x="connsiteX1" y="connsiteY1"/>
+                  </a:cxn>
+                  <a:cxn ang="0">
+                    <a:pos x="connsiteX2" y="connsiteY2"/>
+                  </a:cxn>
+                </a:cxnLst>
+                <a:rect l="l" t="t" r="r" b="b"/>
+                <a:pathLst>
+                  <a:path w="792480" h="434432">
+                    <a:moveTo>
+                      <a:pt x="0" y="434432"/>
+                    </a:moveTo>
+                    <a:cubicBezTo>
+                      <a:pt x="147320" y="219802"/>
+                      <a:pt x="294640" y="5172"/>
+                      <a:pt x="426720" y="92"/>
+                    </a:cubicBezTo>
+                    <a:cubicBezTo>
+                      <a:pt x="558800" y="-4988"/>
+                      <a:pt x="675640" y="199482"/>
+                      <a:pt x="792480" y="403952"/>
+                    </a:cubicBezTo>
+                  </a:path>
+                </a:pathLst>
+              </a:custGeom>
+              <a:solidFill>
+                <a:srgbClr val="FF0000">
+                  <a:alpha val="52000"/>
+                </a:srgbClr>
+              </a:solidFill>
+              <a:ln>
+                <a:solidFill>
+                  <a:srgbClr val="C00000"/>
+                </a:solidFill>
+              </a:ln>
+            </p:spPr>
+            <p:style>
+              <a:lnRef idx="2">
+                <a:schemeClr val="accent1">
+                  <a:shade val="50000"/>
+                </a:schemeClr>
+              </a:lnRef>
+              <a:fillRef idx="1">
+                <a:schemeClr val="accent1"/>
+              </a:fillRef>
+              <a:effectRef idx="0">
+                <a:schemeClr val="accent1"/>
+              </a:effectRef>
+              <a:fontRef idx="minor">
+                <a:schemeClr val="lt1"/>
+              </a:fontRef>
+            </p:style>
+            <p:txBody>
+              <a:bodyPr rtlCol="0" anchor="ctr"/>
+              <a:lstStyle/>
+              <a:p>
+                <a:pPr algn="ctr"/>
+                <a:endParaRPr lang="en-US"/>
+              </a:p>
+            </p:txBody>
+          </p:sp>
+          <p:sp>
+            <p:nvSpPr>
+              <p:cNvPr id="23" name="Freeform: Shape 22">
+                <a:extLst>
+                  <a:ext uri="{FF2B5EF4-FFF2-40B4-BE49-F238E27FC236}">
+                    <a16:creationId xmlns:a16="http://schemas.microsoft.com/office/drawing/2014/main" id="{8CE45A4D-CB2B-35E5-E699-74C9A9381D18}"/>
+                  </a:ext>
+                </a:extLst>
+              </p:cNvPr>
+              <p:cNvSpPr/>
+              <p:nvPr/>
+            </p:nvSpPr>
+            <p:spPr>
+              <a:xfrm>
+                <a:off x="1006794" y="4107088"/>
+                <a:ext cx="792480" cy="434432"/>
+              </a:xfrm>
+              <a:custGeom>
+                <a:avLst/>
+                <a:gdLst>
+                  <a:gd name="connsiteX0" fmla="*/ 0 w 792480"/>
+                  <a:gd name="connsiteY0" fmla="*/ 434432 h 434432"/>
+                  <a:gd name="connsiteX1" fmla="*/ 426720 w 792480"/>
+                  <a:gd name="connsiteY1" fmla="*/ 92 h 434432"/>
+                  <a:gd name="connsiteX2" fmla="*/ 792480 w 792480"/>
+                  <a:gd name="connsiteY2" fmla="*/ 403952 h 434432"/>
+                </a:gdLst>
+                <a:ahLst/>
+                <a:cxnLst>
+                  <a:cxn ang="0">
+                    <a:pos x="connsiteX0" y="connsiteY0"/>
+                  </a:cxn>
+                  <a:cxn ang="0">
+                    <a:pos x="connsiteX1" y="connsiteY1"/>
+                  </a:cxn>
+                  <a:cxn ang="0">
+                    <a:pos x="connsiteX2" y="connsiteY2"/>
+                  </a:cxn>
+                </a:cxnLst>
+                <a:rect l="l" t="t" r="r" b="b"/>
+                <a:pathLst>
+                  <a:path w="792480" h="434432">
+                    <a:moveTo>
+                      <a:pt x="0" y="434432"/>
+                    </a:moveTo>
+                    <a:cubicBezTo>
+                      <a:pt x="147320" y="219802"/>
+                      <a:pt x="294640" y="5172"/>
+                      <a:pt x="426720" y="92"/>
+                    </a:cubicBezTo>
+                    <a:cubicBezTo>
+                      <a:pt x="558800" y="-4988"/>
+                      <a:pt x="675640" y="199482"/>
+                      <a:pt x="792480" y="403952"/>
+                    </a:cubicBezTo>
+                  </a:path>
+                </a:pathLst>
+              </a:custGeom>
+              <a:solidFill>
+                <a:schemeClr val="accent1">
+                  <a:lumMod val="20000"/>
+                  <a:lumOff val="80000"/>
+                </a:schemeClr>
+              </a:solidFill>
+              <a:ln>
+                <a:solidFill>
+                  <a:srgbClr val="41719C"/>
+                </a:solidFill>
+              </a:ln>
+            </p:spPr>
+            <p:style>
+              <a:lnRef idx="2">
+                <a:schemeClr val="accent1">
+                  <a:shade val="50000"/>
+                </a:schemeClr>
+              </a:lnRef>
+              <a:fillRef idx="1">
+                <a:schemeClr val="accent1"/>
+              </a:fillRef>
+              <a:effectRef idx="0">
+                <a:schemeClr val="accent1"/>
+              </a:effectRef>
+              <a:fontRef idx="minor">
+                <a:schemeClr val="lt1"/>
+              </a:fontRef>
+            </p:style>
+            <p:txBody>
+              <a:bodyPr rtlCol="0" anchor="ctr"/>
+              <a:lstStyle/>
+              <a:p>
+                <a:pPr algn="ctr"/>
+                <a:endParaRPr lang="en-US"/>
+              </a:p>
+            </p:txBody>
+          </p:sp>
+          <p:sp>
+            <p:nvSpPr>
+              <p:cNvPr id="24" name="Freeform: Shape 23">
+                <a:extLst>
+                  <a:ext uri="{FF2B5EF4-FFF2-40B4-BE49-F238E27FC236}">
+                    <a16:creationId xmlns:a16="http://schemas.microsoft.com/office/drawing/2014/main" id="{4A2AC2AC-655D-65A5-A71D-66BB288DC75B}"/>
+                  </a:ext>
+                </a:extLst>
+              </p:cNvPr>
+              <p:cNvSpPr/>
+              <p:nvPr/>
+            </p:nvSpPr>
+            <p:spPr>
+              <a:xfrm>
+                <a:off x="991554" y="3702859"/>
+                <a:ext cx="461968" cy="841731"/>
+              </a:xfrm>
+              <a:custGeom>
+                <a:avLst/>
+                <a:gdLst>
+                  <a:gd name="connsiteX0" fmla="*/ 0 w 792480"/>
+                  <a:gd name="connsiteY0" fmla="*/ 434432 h 434432"/>
+                  <a:gd name="connsiteX1" fmla="*/ 426720 w 792480"/>
+                  <a:gd name="connsiteY1" fmla="*/ 92 h 434432"/>
+                  <a:gd name="connsiteX2" fmla="*/ 792480 w 792480"/>
+                  <a:gd name="connsiteY2" fmla="*/ 403952 h 434432"/>
+                  <a:gd name="connsiteX0" fmla="*/ 0 w 826565"/>
+                  <a:gd name="connsiteY0" fmla="*/ 434421 h 436011"/>
+                  <a:gd name="connsiteX1" fmla="*/ 426720 w 826565"/>
+                  <a:gd name="connsiteY1" fmla="*/ 81 h 436011"/>
+                  <a:gd name="connsiteX2" fmla="*/ 826565 w 826565"/>
+                  <a:gd name="connsiteY2" fmla="*/ 436011 h 436011"/>
+                </a:gdLst>
+                <a:ahLst/>
+                <a:cxnLst>
+                  <a:cxn ang="0">
+                    <a:pos x="connsiteX0" y="connsiteY0"/>
+                  </a:cxn>
+                  <a:cxn ang="0">
+                    <a:pos x="connsiteX1" y="connsiteY1"/>
+                  </a:cxn>
+                  <a:cxn ang="0">
+                    <a:pos x="connsiteX2" y="connsiteY2"/>
+                  </a:cxn>
+                </a:cxnLst>
+                <a:rect l="l" t="t" r="r" b="b"/>
+                <a:pathLst>
+                  <a:path w="826565" h="436011">
+                    <a:moveTo>
+                      <a:pt x="0" y="434421"/>
+                    </a:moveTo>
+                    <a:cubicBezTo>
+                      <a:pt x="147320" y="219791"/>
+                      <a:pt x="294640" y="5161"/>
+                      <a:pt x="426720" y="81"/>
+                    </a:cubicBezTo>
+                    <a:cubicBezTo>
+                      <a:pt x="558800" y="-4999"/>
+                      <a:pt x="709725" y="231541"/>
+                      <a:pt x="826565" y="436011"/>
+                    </a:cubicBezTo>
+                  </a:path>
+                </a:pathLst>
+              </a:custGeom>
+              <a:solidFill>
+                <a:schemeClr val="accent6">
+                  <a:lumMod val="60000"/>
+                  <a:lumOff val="40000"/>
+                  <a:alpha val="82000"/>
+                </a:schemeClr>
+              </a:solidFill>
+            </p:spPr>
+            <p:style>
+              <a:lnRef idx="2">
+                <a:schemeClr val="accent1">
+                  <a:shade val="50000"/>
+                </a:schemeClr>
+              </a:lnRef>
+              <a:fillRef idx="1">
+                <a:schemeClr val="accent1"/>
+              </a:fillRef>
+              <a:effectRef idx="0">
+                <a:schemeClr val="accent1"/>
+              </a:effectRef>
+              <a:fontRef idx="minor">
+                <a:schemeClr val="lt1"/>
+              </a:fontRef>
+            </p:style>
+            <p:txBody>
+              <a:bodyPr rtlCol="0" anchor="ctr"/>
+              <a:lstStyle/>
+              <a:p>
+                <a:pPr algn="ctr"/>
+                <a:endParaRPr lang="en-US" dirty="0"/>
+              </a:p>
+            </p:txBody>
+          </p:sp>
+        </p:grpSp>
+        <p:sp>
+          <p:nvSpPr>
+            <p:cNvPr id="22" name="TextBox 21">
+              <a:extLst>
+                <a:ext uri="{FF2B5EF4-FFF2-40B4-BE49-F238E27FC236}">
+                  <a16:creationId xmlns:a16="http://schemas.microsoft.com/office/drawing/2014/main" id="{44CDE6FF-514F-EB95-389C-416E894C2E3E}"/>
+                </a:ext>
+              </a:extLst>
+            </p:cNvPr>
+            <p:cNvSpPr txBox="1"/>
+            <p:nvPr/>
+          </p:nvSpPr>
+          <p:spPr>
+            <a:xfrm>
+              <a:off x="163124" y="3248536"/>
+              <a:ext cx="2133597" cy="153888"/>
+            </a:xfrm>
+            <a:prstGeom prst="rect">
+              <a:avLst/>
+            </a:prstGeom>
+            <a:solidFill>
+              <a:schemeClr val="bg1"/>
+            </a:solidFill>
+          </p:spPr>
+          <p:txBody>
+            <a:bodyPr wrap="none" lIns="0" tIns="0" rIns="0" bIns="0" rtlCol="0">
+              <a:spAutoFit/>
+            </a:bodyPr>
+            <a:lstStyle/>
+            <a:p>
+              <a:r>
+                <a:rPr lang="en-US" sz="1000" b="1" dirty="0">
+                  <a:latin typeface="Arial" panose="020B0604020202020204" pitchFamily="34" charset="0"/>
+                  <a:cs typeface="Arial" panose="020B0604020202020204" pitchFamily="34" charset="0"/>
+                </a:rPr>
+                <a:t>Bayesian Fluorescence Framework</a:t>
+              </a:r>
+            </a:p>
+          </p:txBody>
+        </p:sp>
+      </p:grpSp>
     </p:spTree>
     <p:extLst>
       <p:ext uri="{BB962C8B-B14F-4D97-AF65-F5344CB8AC3E}">
